--- a/pres-bigdata/Course-2022-Spark/BigData-Spark-TD3.pptx
+++ b/pres-bigdata/Course-2022-Spark/BigData-Spark-TD3.pptx
@@ -70,11 +70,12 @@
     <p:sldId id="465" r:id="rId64"/>
     <p:sldId id="460" r:id="rId65"/>
     <p:sldId id="463" r:id="rId66"/>
-    <p:sldId id="337" r:id="rId67"/>
-    <p:sldId id="449" r:id="rId68"/>
-    <p:sldId id="385" r:id="rId69"/>
-    <p:sldId id="328" r:id="rId70"/>
-    <p:sldId id="340" r:id="rId71"/>
+    <p:sldId id="468" r:id="rId67"/>
+    <p:sldId id="337" r:id="rId68"/>
+    <p:sldId id="449" r:id="rId69"/>
+    <p:sldId id="385" r:id="rId70"/>
+    <p:sldId id="328" r:id="rId71"/>
+    <p:sldId id="340" r:id="rId72"/>
   </p:sldIdLst>
   <p:sldSz cx="12192000" cy="6858000"/>
   <p:notesSz cx="6858000" cy="9144000"/>
@@ -330,7 +331,7 @@
           <a:p>
             <a:fld id="{7682F511-3FFC-4A05-819B-00FCF2A06483}" type="datetimeFigureOut">
               <a:rPr lang="fr-FR" smtClean="0"/>
-              <a:t>20/11/2022</a:t>
+              <a:t>08/12/2022</a:t>
             </a:fld>
             <a:endParaRPr lang="fr-FR"/>
           </a:p>
@@ -530,7 +531,7 @@
           <a:p>
             <a:fld id="{7682F511-3FFC-4A05-819B-00FCF2A06483}" type="datetimeFigureOut">
               <a:rPr lang="fr-FR" smtClean="0"/>
-              <a:t>20/11/2022</a:t>
+              <a:t>08/12/2022</a:t>
             </a:fld>
             <a:endParaRPr lang="fr-FR"/>
           </a:p>
@@ -740,7 +741,7 @@
           <a:p>
             <a:fld id="{7682F511-3FFC-4A05-819B-00FCF2A06483}" type="datetimeFigureOut">
               <a:rPr lang="fr-FR" smtClean="0"/>
-              <a:t>20/11/2022</a:t>
+              <a:t>08/12/2022</a:t>
             </a:fld>
             <a:endParaRPr lang="fr-FR"/>
           </a:p>
@@ -940,7 +941,7 @@
           <a:p>
             <a:fld id="{7682F511-3FFC-4A05-819B-00FCF2A06483}" type="datetimeFigureOut">
               <a:rPr lang="fr-FR" smtClean="0"/>
-              <a:t>20/11/2022</a:t>
+              <a:t>08/12/2022</a:t>
             </a:fld>
             <a:endParaRPr lang="fr-FR"/>
           </a:p>
@@ -1216,7 +1217,7 @@
           <a:p>
             <a:fld id="{7682F511-3FFC-4A05-819B-00FCF2A06483}" type="datetimeFigureOut">
               <a:rPr lang="fr-FR" smtClean="0"/>
-              <a:t>20/11/2022</a:t>
+              <a:t>08/12/2022</a:t>
             </a:fld>
             <a:endParaRPr lang="fr-FR"/>
           </a:p>
@@ -1484,7 +1485,7 @@
           <a:p>
             <a:fld id="{7682F511-3FFC-4A05-819B-00FCF2A06483}" type="datetimeFigureOut">
               <a:rPr lang="fr-FR" smtClean="0"/>
-              <a:t>20/11/2022</a:t>
+              <a:t>08/12/2022</a:t>
             </a:fld>
             <a:endParaRPr lang="fr-FR"/>
           </a:p>
@@ -1899,7 +1900,7 @@
           <a:p>
             <a:fld id="{7682F511-3FFC-4A05-819B-00FCF2A06483}" type="datetimeFigureOut">
               <a:rPr lang="fr-FR" smtClean="0"/>
-              <a:t>20/11/2022</a:t>
+              <a:t>08/12/2022</a:t>
             </a:fld>
             <a:endParaRPr lang="fr-FR"/>
           </a:p>
@@ -2041,7 +2042,7 @@
           <a:p>
             <a:fld id="{7682F511-3FFC-4A05-819B-00FCF2A06483}" type="datetimeFigureOut">
               <a:rPr lang="fr-FR" smtClean="0"/>
-              <a:t>20/11/2022</a:t>
+              <a:t>08/12/2022</a:t>
             </a:fld>
             <a:endParaRPr lang="fr-FR"/>
           </a:p>
@@ -2154,7 +2155,7 @@
           <a:p>
             <a:fld id="{7682F511-3FFC-4A05-819B-00FCF2A06483}" type="datetimeFigureOut">
               <a:rPr lang="fr-FR" smtClean="0"/>
-              <a:t>20/11/2022</a:t>
+              <a:t>08/12/2022</a:t>
             </a:fld>
             <a:endParaRPr lang="fr-FR"/>
           </a:p>
@@ -2467,7 +2468,7 @@
           <a:p>
             <a:fld id="{7682F511-3FFC-4A05-819B-00FCF2A06483}" type="datetimeFigureOut">
               <a:rPr lang="fr-FR" smtClean="0"/>
-              <a:t>20/11/2022</a:t>
+              <a:t>08/12/2022</a:t>
             </a:fld>
             <a:endParaRPr lang="fr-FR"/>
           </a:p>
@@ -2756,7 +2757,7 @@
           <a:p>
             <a:fld id="{7682F511-3FFC-4A05-819B-00FCF2A06483}" type="datetimeFigureOut">
               <a:rPr lang="fr-FR" smtClean="0"/>
-              <a:t>20/11/2022</a:t>
+              <a:t>08/12/2022</a:t>
             </a:fld>
             <a:endParaRPr lang="fr-FR"/>
           </a:p>
@@ -2999,7 +3000,7 @@
           <a:p>
             <a:fld id="{7682F511-3FFC-4A05-819B-00FCF2A06483}" type="datetimeFigureOut">
               <a:rPr lang="fr-FR" smtClean="0"/>
-              <a:t>20/11/2022</a:t>
+              <a:t>08/12/2022</a:t>
             </a:fld>
             <a:endParaRPr lang="fr-FR"/>
           </a:p>
@@ -13255,7 +13256,7 @@
         <p:spPr>
           <a:xfrm>
             <a:off x="3298054" y="2756516"/>
-            <a:ext cx="6305572" cy="2308324"/>
+            <a:ext cx="7019294" cy="2308324"/>
           </a:xfrm>
           <a:prstGeom prst="rect">
             <a:avLst/>
@@ -13287,7 +13288,7 @@
           <a:p>
             <a:r>
               <a:rPr lang="fr-FR" dirty="0" err="1"/>
-              <a:t>dataset.saveAsTable</a:t>
+              <a:t>dataset.write.saveAsTable</a:t>
             </a:r>
             <a:r>
               <a:rPr lang="fr-FR" dirty="0"/>
@@ -13308,7 +13309,7 @@
           <a:p>
             <a:r>
               <a:rPr lang="fr-FR" dirty="0" err="1"/>
-              <a:t>dataset.saveAsTable</a:t>
+              <a:t>dataset.write.saveAsTable</a:t>
             </a:r>
             <a:r>
               <a:rPr lang="fr-FR" dirty="0"/>
@@ -13329,7 +13330,7 @@
           <a:p>
             <a:r>
               <a:rPr lang="fr-FR" dirty="0" err="1"/>
-              <a:t>dataset.format</a:t>
+              <a:t>dataset.write.format</a:t>
             </a:r>
             <a:r>
               <a:rPr lang="fr-FR" dirty="0"/>
@@ -20844,7 +20845,7 @@
         </p:nvSpPr>
         <p:spPr>
           <a:xfrm>
-            <a:off x="421178" y="2367388"/>
+            <a:off x="425727" y="2367388"/>
             <a:ext cx="11294226" cy="3908762"/>
           </a:xfrm>
           <a:prstGeom prst="rect">
@@ -22612,7 +22613,7 @@
           <p:cNvPr id="2" name="Title 1">
             <a:extLst>
               <a:ext uri="{FF2B5EF4-FFF2-40B4-BE49-F238E27FC236}">
-                <a16:creationId xmlns:a16="http://schemas.microsoft.com/office/drawing/2014/main" id="{4AEDF82C-157F-9B9D-067E-1C75301BB687}"/>
+                <a16:creationId xmlns:a16="http://schemas.microsoft.com/office/drawing/2014/main" id="{B9773D55-410C-52DB-7AA2-744FF4F06A9C}"/>
               </a:ext>
             </a:extLst>
           </p:cNvPr>
@@ -22623,6 +22624,213 @@
             <p:ph type="title"/>
           </p:nvPr>
         </p:nvSpPr>
+        <p:spPr/>
+        <p:txBody>
+          <a:bodyPr/>
+          <a:lstStyle/>
+          <a:p>
+            <a:pPr algn="ctr"/>
+            <a:r>
+              <a:rPr lang="fr-FR" dirty="0" err="1"/>
+              <a:t>Optionnal</a:t>
+            </a:r>
+            <a:r>
+              <a:rPr lang="fr-FR" dirty="0"/>
+              <a:t> </a:t>
+            </a:r>
+            <a:r>
+              <a:rPr lang="fr-FR" dirty="0" err="1"/>
+              <a:t>Exercise</a:t>
+            </a:r>
+            <a:r>
+              <a:rPr lang="fr-FR" dirty="0"/>
+              <a:t> 26 – </a:t>
+            </a:r>
+            <a:r>
+              <a:rPr lang="fr-FR" dirty="0" err="1"/>
+              <a:t>DeltaLake</a:t>
+            </a:r>
+            <a:r>
+              <a:rPr lang="fr-FR" dirty="0"/>
+              <a:t> / Iceberg …</a:t>
+            </a:r>
+          </a:p>
+        </p:txBody>
+      </p:sp>
+      <p:sp>
+        <p:nvSpPr>
+          <p:cNvPr id="4" name="TextBox 3">
+            <a:extLst>
+              <a:ext uri="{FF2B5EF4-FFF2-40B4-BE49-F238E27FC236}">
+                <a16:creationId xmlns:a16="http://schemas.microsoft.com/office/drawing/2014/main" id="{78F41B29-69D8-AB15-88E3-181430BD9344}"/>
+              </a:ext>
+            </a:extLst>
+          </p:cNvPr>
+          <p:cNvSpPr txBox="1"/>
+          <p:nvPr/>
+        </p:nvSpPr>
+        <p:spPr>
+          <a:xfrm>
+            <a:off x="525334" y="1962983"/>
+            <a:ext cx="11010515" cy="4093428"/>
+          </a:xfrm>
+          <a:prstGeom prst="rect">
+            <a:avLst/>
+          </a:prstGeom>
+          <a:noFill/>
+        </p:spPr>
+        <p:txBody>
+          <a:bodyPr wrap="none" rtlCol="0">
+            <a:spAutoFit/>
+          </a:bodyPr>
+          <a:lstStyle/>
+          <a:p>
+            <a:r>
+              <a:rPr lang="fr-FR" sz="2800" dirty="0"/>
+              <a:t>Have a look to </a:t>
+            </a:r>
+            <a:r>
+              <a:rPr lang="fr-FR" sz="2800" dirty="0" err="1"/>
+              <a:t>DeltaLake</a:t>
+            </a:r>
+            <a:endParaRPr lang="fr-FR" sz="2800" dirty="0"/>
+          </a:p>
+          <a:p>
+            <a:endParaRPr lang="fr-FR" sz="2800" dirty="0"/>
+          </a:p>
+          <a:p>
+            <a:r>
+              <a:rPr lang="fr-FR" sz="2800" dirty="0">
+                <a:hlinkClick r:id="rId2"/>
+              </a:rPr>
+              <a:t>https://docs.delta.io/latest/quick-start.html</a:t>
+            </a:r>
+            <a:endParaRPr lang="fr-FR" sz="2800" dirty="0"/>
+          </a:p>
+          <a:p>
+            <a:endParaRPr lang="fr-FR" sz="2800" dirty="0"/>
+          </a:p>
+          <a:p>
+            <a:endParaRPr lang="fr-FR" sz="2800" dirty="0"/>
+          </a:p>
+          <a:p>
+            <a:r>
+              <a:rPr lang="fr-FR" sz="2400" dirty="0" err="1"/>
+              <a:t>spark-shell</a:t>
+            </a:r>
+            <a:r>
+              <a:rPr lang="fr-FR" sz="2400" dirty="0"/>
+              <a:t> --packages io.delta:delta-core_2.12:2.2.0 \</a:t>
+            </a:r>
+            <a:br>
+              <a:rPr lang="fr-FR" sz="2400" dirty="0"/>
+            </a:br>
+            <a:r>
+              <a:rPr lang="fr-FR" sz="2400" dirty="0"/>
+              <a:t> --conf </a:t>
+            </a:r>
+            <a:r>
+              <a:rPr lang="fr-FR" sz="2400" dirty="0" err="1"/>
+              <a:t>spark.sql.extensions</a:t>
+            </a:r>
+            <a:r>
+              <a:rPr lang="fr-FR" sz="2400" dirty="0"/>
+              <a:t>=</a:t>
+            </a:r>
+            <a:r>
+              <a:rPr lang="fr-FR" sz="2400" dirty="0" err="1"/>
+              <a:t>io.delta.sql.DeltaSparkSessionExtension</a:t>
+            </a:r>
+            <a:r>
+              <a:rPr lang="fr-FR" sz="2400" dirty="0"/>
+              <a:t>  \</a:t>
+            </a:r>
+            <a:br>
+              <a:rPr lang="fr-FR" sz="2400" dirty="0"/>
+            </a:br>
+            <a:r>
+              <a:rPr lang="fr-FR" sz="2400" dirty="0"/>
+              <a:t> --conf </a:t>
+            </a:r>
+            <a:r>
+              <a:rPr lang="fr-FR" sz="2400" dirty="0" err="1"/>
+              <a:t>spark.sql.catalog.spark_catalog</a:t>
+            </a:r>
+            <a:r>
+              <a:rPr lang="fr-FR" sz="2400" dirty="0"/>
+              <a:t>=</a:t>
+            </a:r>
+            <a:r>
+              <a:rPr lang="fr-FR" sz="2400" dirty="0" err="1"/>
+              <a:t>org.apache.spark.sql.delta.catalog.DeltaCatalog</a:t>
+            </a:r>
+            <a:br>
+              <a:rPr lang="fr-FR" sz="2400" dirty="0"/>
+            </a:br>
+            <a:br>
+              <a:rPr lang="fr-FR" sz="2400" dirty="0"/>
+            </a:br>
+            <a:r>
+              <a:rPr lang="fr-FR" sz="2400" dirty="0"/>
+              <a:t>CREATE TABLE … USING DELTA …      (</a:t>
+            </a:r>
+            <a:r>
+              <a:rPr lang="fr-FR" sz="2400" dirty="0" err="1"/>
+              <a:t>instead</a:t>
+            </a:r>
+            <a:r>
+              <a:rPr lang="fr-FR" sz="2400" dirty="0"/>
+              <a:t> of STORED AS PARQUET … )</a:t>
+            </a:r>
+          </a:p>
+        </p:txBody>
+      </p:sp>
+    </p:spTree>
+    <p:extLst>
+      <p:ext uri="{BB962C8B-B14F-4D97-AF65-F5344CB8AC3E}">
+        <p14:creationId xmlns:p14="http://schemas.microsoft.com/office/powerpoint/2010/main" val="1425728467"/>
+      </p:ext>
+    </p:extLst>
+  </p:cSld>
+  <p:clrMapOvr>
+    <a:masterClrMapping/>
+  </p:clrMapOvr>
+</p:sld>
+</file>
+
+<file path=ppt/slides/slide67.xml><?xml version="1.0" encoding="utf-8"?>
+<p:sld xmlns:a="http://schemas.openxmlformats.org/drawingml/2006/main" xmlns:r="http://schemas.openxmlformats.org/officeDocument/2006/relationships" xmlns:p="http://schemas.openxmlformats.org/presentationml/2006/main">
+  <p:cSld>
+    <p:spTree>
+      <p:nvGrpSpPr>
+        <p:cNvPr id="1" name=""/>
+        <p:cNvGrpSpPr/>
+        <p:nvPr/>
+      </p:nvGrpSpPr>
+      <p:grpSpPr>
+        <a:xfrm>
+          <a:off x="0" y="0"/>
+          <a:ext cx="0" cy="0"/>
+          <a:chOff x="0" y="0"/>
+          <a:chExt cx="0" cy="0"/>
+        </a:xfrm>
+      </p:grpSpPr>
+      <p:sp>
+        <p:nvSpPr>
+          <p:cNvPr id="2" name="Title 1">
+            <a:extLst>
+              <a:ext uri="{FF2B5EF4-FFF2-40B4-BE49-F238E27FC236}">
+                <a16:creationId xmlns:a16="http://schemas.microsoft.com/office/drawing/2014/main" id="{4AEDF82C-157F-9B9D-067E-1C75301BB687}"/>
+              </a:ext>
+            </a:extLst>
+          </p:cNvPr>
+          <p:cNvSpPr>
+            <a:spLocks noGrp="1"/>
+          </p:cNvSpPr>
+          <p:nvPr>
+            <p:ph type="title"/>
+          </p:nvPr>
+        </p:nvSpPr>
         <p:spPr>
           <a:xfrm>
             <a:off x="838200" y="365126"/>
@@ -22640,7 +22848,7 @@
             </a:r>
             <a:r>
               <a:rPr lang="fr-FR" dirty="0"/>
-              <a:t> 26 : </a:t>
+              <a:t> 27 : </a:t>
             </a:r>
             <a:r>
               <a:rPr lang="fr-FR" dirty="0" err="1"/>
@@ -22893,7 +23101,7 @@
 </p:sld>
 </file>
 
-<file path=ppt/slides/slide67.xml><?xml version="1.0" encoding="utf-8"?>
+<file path=ppt/slides/slide68.xml><?xml version="1.0" encoding="utf-8"?>
 <p:sld xmlns:a="http://schemas.openxmlformats.org/drawingml/2006/main" xmlns:r="http://schemas.openxmlformats.org/officeDocument/2006/relationships" xmlns:p="http://schemas.openxmlformats.org/presentationml/2006/main" show="0">
   <p:cSld>
     <p:spTree>
@@ -22951,7 +23159,7 @@
             </a:r>
             <a:r>
               <a:rPr lang="fr-FR" dirty="0"/>
-              <a:t> 26: </a:t>
+              <a:t> 27: </a:t>
             </a:r>
             <a:r>
               <a:rPr lang="fr-FR" dirty="0" err="1"/>
@@ -25343,70 +25551,6 @@
     <p:extLst>
       <p:ext uri="{BB962C8B-B14F-4D97-AF65-F5344CB8AC3E}">
         <p14:creationId xmlns:p14="http://schemas.microsoft.com/office/powerpoint/2010/main" val="3098998274"/>
-      </p:ext>
-    </p:extLst>
-  </p:cSld>
-  <p:clrMapOvr>
-    <a:masterClrMapping/>
-  </p:clrMapOvr>
-</p:sld>
-</file>
-
-<file path=ppt/slides/slide68.xml><?xml version="1.0" encoding="utf-8"?>
-<p:sld xmlns:a="http://schemas.openxmlformats.org/drawingml/2006/main" xmlns:r="http://schemas.openxmlformats.org/officeDocument/2006/relationships" xmlns:p="http://schemas.openxmlformats.org/presentationml/2006/main">
-  <p:cSld>
-    <p:spTree>
-      <p:nvGrpSpPr>
-        <p:cNvPr id="1" name=""/>
-        <p:cNvGrpSpPr/>
-        <p:nvPr/>
-      </p:nvGrpSpPr>
-      <p:grpSpPr>
-        <a:xfrm>
-          <a:off x="0" y="0"/>
-          <a:ext cx="0" cy="0"/>
-          <a:chOff x="0" y="0"/>
-          <a:chExt cx="0" cy="0"/>
-        </a:xfrm>
-      </p:grpSpPr>
-      <p:sp>
-        <p:nvSpPr>
-          <p:cNvPr id="2" name="Title 1">
-            <a:extLst>
-              <a:ext uri="{FF2B5EF4-FFF2-40B4-BE49-F238E27FC236}">
-                <a16:creationId xmlns:a16="http://schemas.microsoft.com/office/drawing/2014/main" id="{A954218F-C29D-00F3-A91B-5F09DB287D83}"/>
-              </a:ext>
-            </a:extLst>
-          </p:cNvPr>
-          <p:cNvSpPr>
-            <a:spLocks noGrp="1"/>
-          </p:cNvSpPr>
-          <p:nvPr>
-            <p:ph type="title"/>
-          </p:nvPr>
-        </p:nvSpPr>
-        <p:spPr>
-          <a:xfrm>
-            <a:off x="876993" y="2581852"/>
-            <a:ext cx="10515600" cy="1325563"/>
-          </a:xfrm>
-        </p:spPr>
-        <p:txBody>
-          <a:bodyPr/>
-          <a:lstStyle/>
-          <a:p>
-            <a:pPr algn="ctr"/>
-            <a:r>
-              <a:rPr lang="fr-FR" dirty="0"/>
-              <a:t>Questions ?</a:t>
-            </a:r>
-          </a:p>
-        </p:txBody>
-      </p:sp>
-    </p:spTree>
-    <p:extLst>
-      <p:ext uri="{BB962C8B-B14F-4D97-AF65-F5344CB8AC3E}">
-        <p14:creationId xmlns:p14="http://schemas.microsoft.com/office/powerpoint/2010/main" val="544226047"/>
       </p:ext>
     </p:extLst>
   </p:cSld>
@@ -25438,7 +25582,7 @@
           <p:cNvPr id="2" name="Title 1">
             <a:extLst>
               <a:ext uri="{FF2B5EF4-FFF2-40B4-BE49-F238E27FC236}">
-                <a16:creationId xmlns:a16="http://schemas.microsoft.com/office/drawing/2014/main" id="{59C4D8E6-8A5B-9C63-AA96-75FC5E57F1C3}"/>
+                <a16:creationId xmlns:a16="http://schemas.microsoft.com/office/drawing/2014/main" id="{A954218F-C29D-00F3-A91B-5F09DB287D83}"/>
               </a:ext>
             </a:extLst>
           </p:cNvPr>
@@ -25451,46 +25595,18 @@
         </p:nvSpPr>
         <p:spPr>
           <a:xfrm>
-            <a:off x="838200" y="365125"/>
-            <a:ext cx="10515600" cy="2196083"/>
-          </a:xfrm>
-        </p:spPr>
-        <p:txBody>
-          <a:bodyPr>
-            <a:normAutofit/>
-          </a:bodyPr>
+            <a:off x="876993" y="2581852"/>
+            <a:ext cx="10515600" cy="1325563"/>
+          </a:xfrm>
+        </p:spPr>
+        <p:txBody>
+          <a:bodyPr/>
           <a:lstStyle/>
           <a:p>
             <a:pPr algn="ctr"/>
             <a:r>
-              <a:rPr lang="fr-FR" dirty="0" err="1"/>
-              <a:t>Take-Away</a:t>
-            </a:r>
-            <a:r>
-              <a:rPr lang="fr-FR" dirty="0"/>
-              <a:t> </a:t>
-            </a:r>
-            <a:br>
-              <a:rPr lang="fr-FR" dirty="0"/>
-            </a:br>
-            <a:br>
-              <a:rPr lang="fr-FR" dirty="0"/>
-            </a:br>
-            <a:r>
-              <a:rPr lang="fr-FR" dirty="0" err="1"/>
-              <a:t>What</a:t>
-            </a:r>
-            <a:r>
-              <a:rPr lang="fr-FR" dirty="0"/>
-              <a:t> You </a:t>
-            </a:r>
-            <a:r>
-              <a:rPr lang="fr-FR" dirty="0" err="1"/>
-              <a:t>learned</a:t>
-            </a:r>
-            <a:r>
-              <a:rPr lang="fr-FR" dirty="0"/>
-              <a:t> ?</a:t>
+              <a:rPr lang="fr-FR" dirty="0"/>
+              <a:t>Questions ?</a:t>
             </a:r>
           </a:p>
         </p:txBody>
@@ -25498,7 +25614,7 @@
     </p:spTree>
     <p:extLst>
       <p:ext uri="{BB962C8B-B14F-4D97-AF65-F5344CB8AC3E}">
-        <p14:creationId xmlns:p14="http://schemas.microsoft.com/office/powerpoint/2010/main" val="4144487094"/>
+        <p14:creationId xmlns:p14="http://schemas.microsoft.com/office/powerpoint/2010/main" val="544226047"/>
       </p:ext>
     </p:extLst>
   </p:cSld>
@@ -25856,6 +25972,98 @@
 </file>
 
 <file path=ppt/slides/slide70.xml><?xml version="1.0" encoding="utf-8"?>
+<p:sld xmlns:a="http://schemas.openxmlformats.org/drawingml/2006/main" xmlns:r="http://schemas.openxmlformats.org/officeDocument/2006/relationships" xmlns:p="http://schemas.openxmlformats.org/presentationml/2006/main">
+  <p:cSld>
+    <p:spTree>
+      <p:nvGrpSpPr>
+        <p:cNvPr id="1" name=""/>
+        <p:cNvGrpSpPr/>
+        <p:nvPr/>
+      </p:nvGrpSpPr>
+      <p:grpSpPr>
+        <a:xfrm>
+          <a:off x="0" y="0"/>
+          <a:ext cx="0" cy="0"/>
+          <a:chOff x="0" y="0"/>
+          <a:chExt cx="0" cy="0"/>
+        </a:xfrm>
+      </p:grpSpPr>
+      <p:sp>
+        <p:nvSpPr>
+          <p:cNvPr id="2" name="Title 1">
+            <a:extLst>
+              <a:ext uri="{FF2B5EF4-FFF2-40B4-BE49-F238E27FC236}">
+                <a16:creationId xmlns:a16="http://schemas.microsoft.com/office/drawing/2014/main" id="{59C4D8E6-8A5B-9C63-AA96-75FC5E57F1C3}"/>
+              </a:ext>
+            </a:extLst>
+          </p:cNvPr>
+          <p:cNvSpPr>
+            <a:spLocks noGrp="1"/>
+          </p:cNvSpPr>
+          <p:nvPr>
+            <p:ph type="title"/>
+          </p:nvPr>
+        </p:nvSpPr>
+        <p:spPr>
+          <a:xfrm>
+            <a:off x="838200" y="365125"/>
+            <a:ext cx="10515600" cy="2196083"/>
+          </a:xfrm>
+        </p:spPr>
+        <p:txBody>
+          <a:bodyPr>
+            <a:normAutofit/>
+          </a:bodyPr>
+          <a:lstStyle/>
+          <a:p>
+            <a:pPr algn="ctr"/>
+            <a:r>
+              <a:rPr lang="fr-FR" dirty="0" err="1"/>
+              <a:t>Take-Away</a:t>
+            </a:r>
+            <a:r>
+              <a:rPr lang="fr-FR" dirty="0"/>
+              <a:t> </a:t>
+            </a:r>
+            <a:br>
+              <a:rPr lang="fr-FR" dirty="0"/>
+            </a:br>
+            <a:br>
+              <a:rPr lang="fr-FR" dirty="0"/>
+            </a:br>
+            <a:r>
+              <a:rPr lang="fr-FR" dirty="0" err="1"/>
+              <a:t>What</a:t>
+            </a:r>
+            <a:r>
+              <a:rPr lang="fr-FR" dirty="0"/>
+              <a:t> You </a:t>
+            </a:r>
+            <a:r>
+              <a:rPr lang="fr-FR" dirty="0" err="1"/>
+              <a:t>learned</a:t>
+            </a:r>
+            <a:r>
+              <a:rPr lang="fr-FR" dirty="0"/>
+              <a:t> ?</a:t>
+            </a:r>
+          </a:p>
+        </p:txBody>
+      </p:sp>
+    </p:spTree>
+    <p:extLst>
+      <p:ext uri="{BB962C8B-B14F-4D97-AF65-F5344CB8AC3E}">
+        <p14:creationId xmlns:p14="http://schemas.microsoft.com/office/powerpoint/2010/main" val="4144487094"/>
+      </p:ext>
+    </p:extLst>
+  </p:cSld>
+  <p:clrMapOvr>
+    <a:masterClrMapping/>
+  </p:clrMapOvr>
+</p:sld>
+</file>
+
+<file path=ppt/slides/slide71.xml><?xml version="1.0" encoding="utf-8"?>
 <p:sld xmlns:a="http://schemas.openxmlformats.org/drawingml/2006/main" xmlns:r="http://schemas.openxmlformats.org/officeDocument/2006/relationships" xmlns:p="http://schemas.openxmlformats.org/presentationml/2006/main">
   <p:cSld>
     <p:spTree>

--- a/pres-bigdata/Course-2022-Spark/BigData-Spark-TD3.pptx
+++ b/pres-bigdata/Course-2022-Spark/BigData-Spark-TD3.pptx
@@ -337,7 +337,7 @@
           <a:p>
             <a:fld id="{7682F511-3FFC-4A05-819B-00FCF2A06483}" type="datetimeFigureOut">
               <a:rPr lang="fr-FR" smtClean="0"/>
-              <a:t>03/11/2023</a:t>
+              <a:t>06/12/2023</a:t>
             </a:fld>
             <a:endParaRPr lang="fr-FR"/>
           </a:p>
@@ -537,7 +537,7 @@
           <a:p>
             <a:fld id="{7682F511-3FFC-4A05-819B-00FCF2A06483}" type="datetimeFigureOut">
               <a:rPr lang="fr-FR" smtClean="0"/>
-              <a:t>03/11/2023</a:t>
+              <a:t>06/12/2023</a:t>
             </a:fld>
             <a:endParaRPr lang="fr-FR"/>
           </a:p>
@@ -747,7 +747,7 @@
           <a:p>
             <a:fld id="{7682F511-3FFC-4A05-819B-00FCF2A06483}" type="datetimeFigureOut">
               <a:rPr lang="fr-FR" smtClean="0"/>
-              <a:t>03/11/2023</a:t>
+              <a:t>06/12/2023</a:t>
             </a:fld>
             <a:endParaRPr lang="fr-FR"/>
           </a:p>
@@ -947,7 +947,7 @@
           <a:p>
             <a:fld id="{7682F511-3FFC-4A05-819B-00FCF2A06483}" type="datetimeFigureOut">
               <a:rPr lang="fr-FR" smtClean="0"/>
-              <a:t>03/11/2023</a:t>
+              <a:t>06/12/2023</a:t>
             </a:fld>
             <a:endParaRPr lang="fr-FR"/>
           </a:p>
@@ -1223,7 +1223,7 @@
           <a:p>
             <a:fld id="{7682F511-3FFC-4A05-819B-00FCF2A06483}" type="datetimeFigureOut">
               <a:rPr lang="fr-FR" smtClean="0"/>
-              <a:t>03/11/2023</a:t>
+              <a:t>06/12/2023</a:t>
             </a:fld>
             <a:endParaRPr lang="fr-FR"/>
           </a:p>
@@ -1491,7 +1491,7 @@
           <a:p>
             <a:fld id="{7682F511-3FFC-4A05-819B-00FCF2A06483}" type="datetimeFigureOut">
               <a:rPr lang="fr-FR" smtClean="0"/>
-              <a:t>03/11/2023</a:t>
+              <a:t>06/12/2023</a:t>
             </a:fld>
             <a:endParaRPr lang="fr-FR"/>
           </a:p>
@@ -1906,7 +1906,7 @@
           <a:p>
             <a:fld id="{7682F511-3FFC-4A05-819B-00FCF2A06483}" type="datetimeFigureOut">
               <a:rPr lang="fr-FR" smtClean="0"/>
-              <a:t>03/11/2023</a:t>
+              <a:t>06/12/2023</a:t>
             </a:fld>
             <a:endParaRPr lang="fr-FR"/>
           </a:p>
@@ -2048,7 +2048,7 @@
           <a:p>
             <a:fld id="{7682F511-3FFC-4A05-819B-00FCF2A06483}" type="datetimeFigureOut">
               <a:rPr lang="fr-FR" smtClean="0"/>
-              <a:t>03/11/2023</a:t>
+              <a:t>06/12/2023</a:t>
             </a:fld>
             <a:endParaRPr lang="fr-FR"/>
           </a:p>
@@ -2161,7 +2161,7 @@
           <a:p>
             <a:fld id="{7682F511-3FFC-4A05-819B-00FCF2A06483}" type="datetimeFigureOut">
               <a:rPr lang="fr-FR" smtClean="0"/>
-              <a:t>03/11/2023</a:t>
+              <a:t>06/12/2023</a:t>
             </a:fld>
             <a:endParaRPr lang="fr-FR"/>
           </a:p>
@@ -2474,7 +2474,7 @@
           <a:p>
             <a:fld id="{7682F511-3FFC-4A05-819B-00FCF2A06483}" type="datetimeFigureOut">
               <a:rPr lang="fr-FR" smtClean="0"/>
-              <a:t>03/11/2023</a:t>
+              <a:t>06/12/2023</a:t>
             </a:fld>
             <a:endParaRPr lang="fr-FR"/>
           </a:p>
@@ -2763,7 +2763,7 @@
           <a:p>
             <a:fld id="{7682F511-3FFC-4A05-819B-00FCF2A06483}" type="datetimeFigureOut">
               <a:rPr lang="fr-FR" smtClean="0"/>
-              <a:t>03/11/2023</a:t>
+              <a:t>06/12/2023</a:t>
             </a:fld>
             <a:endParaRPr lang="fr-FR"/>
           </a:p>
@@ -3006,7 +3006,7 @@
           <a:p>
             <a:fld id="{7682F511-3FFC-4A05-819B-00FCF2A06483}" type="datetimeFigureOut">
               <a:rPr lang="fr-FR" smtClean="0"/>
-              <a:t>03/11/2023</a:t>
+              <a:t>06/12/2023</a:t>
             </a:fld>
             <a:endParaRPr lang="fr-FR"/>
           </a:p>
@@ -4675,7 +4675,7 @@
         </p:nvSpPr>
         <p:spPr>
           <a:xfrm>
-            <a:off x="1471613" y="2705100"/>
+            <a:off x="1235052" y="2741494"/>
             <a:ext cx="10189008" cy="2585323"/>
           </a:xfrm>
           <a:prstGeom prst="rect">
@@ -20924,7 +20924,7 @@
         <p:spPr>
           <a:xfrm>
             <a:off x="525967" y="1091954"/>
-            <a:ext cx="10887532" cy="5632311"/>
+            <a:ext cx="13947216" cy="5262979"/>
           </a:xfrm>
           <a:prstGeom prst="rect">
             <a:avLst/>
@@ -21023,12 +21023,46 @@
             </a:r>
           </a:p>
           <a:p>
-            <a:br>
-              <a:rPr lang="fr-FR" sz="2400" dirty="0"/>
-            </a:br>
-            <a:r>
-              <a:rPr lang="fr-FR" sz="2400" dirty="0"/>
-              <a:t>  CREATE EXTERNAL TABLE db1.address_by_dept (</a:t>
+            <a:endParaRPr lang="fr-FR" sz="2400" dirty="0"/>
+          </a:p>
+          <a:p>
+            <a:r>
+              <a:rPr lang="fr-FR" sz="2400" dirty="0"/>
+              <a:t>//?? </a:t>
+            </a:r>
+            <a:r>
+              <a:rPr lang="fr-FR" sz="2400" dirty="0" err="1"/>
+              <a:t>allAdressDept.write.writePartitioned</a:t>
+            </a:r>
+            <a:r>
+              <a:rPr lang="fr-FR" sz="2400" dirty="0"/>
+              <a:t>("</a:t>
+            </a:r>
+            <a:r>
+              <a:rPr lang="fr-FR" sz="2400" dirty="0" err="1"/>
+              <a:t>dept</a:t>
+            </a:r>
+            <a:r>
+              <a:rPr lang="fr-FR" sz="2400" dirty="0"/>
+              <a:t>").format("parquet").</a:t>
+            </a:r>
+            <a:r>
+              <a:rPr lang="fr-FR" sz="2400" dirty="0" err="1"/>
+              <a:t>saveAsTable</a:t>
+            </a:r>
+            <a:r>
+              <a:rPr lang="fr-FR" sz="2400" dirty="0"/>
+              <a:t>("db1.tmp_addr_with_dept")</a:t>
+            </a:r>
+          </a:p>
+          <a:p>
+            <a:r>
+              <a:rPr lang="fr-FR" sz="2400"/>
+              <a:t>CREATE </a:t>
+            </a:r>
+            <a:r>
+              <a:rPr lang="fr-FR" sz="2400" dirty="0"/>
+              <a:t>EXTERNAL TABLE db1.address_by_dept (</a:t>
             </a:r>
             <a:br>
               <a:rPr lang="fr-FR" sz="2400" dirty="0"/>
@@ -21110,43 +21144,32 @@
             </a:r>
           </a:p>
           <a:p>
-            <a:endParaRPr lang="fr-FR" sz="2400" dirty="0"/>
-          </a:p>
-          <a:p>
-            <a:r>
-              <a:rPr lang="fr-FR" sz="2400" dirty="0"/>
-              <a:t>c/ </a:t>
-            </a:r>
-            <a:r>
-              <a:rPr lang="fr-FR" sz="2400" dirty="0" err="1"/>
-              <a:t>execute</a:t>
-            </a:r>
-            <a:r>
-              <a:rPr lang="fr-FR" sz="2400" dirty="0"/>
-              <a:t> </a:t>
-            </a:r>
-            <a:br>
-              <a:rPr lang="fr-FR" sz="2400" dirty="0"/>
-            </a:br>
             <a:r>
               <a:rPr lang="fr-FR" sz="2400" dirty="0" err="1"/>
               <a:t>allAdressDept.write.format</a:t>
             </a:r>
             <a:r>
               <a:rPr lang="fr-FR" sz="2400" dirty="0"/>
-              <a:t>("parquet").</a:t>
+              <a:t>("</a:t>
             </a:r>
             <a:r>
               <a:rPr lang="fr-FR" sz="2400" dirty="0" err="1"/>
-              <a:t>saveAsTable</a:t>
+              <a:t>hive</a:t>
+            </a:r>
+            <a:r>
+              <a:rPr lang="fr-FR" sz="2400" dirty="0"/>
+              <a:t>").</a:t>
+            </a:r>
+            <a:r>
+              <a:rPr lang="fr-FR" sz="2400" dirty="0" err="1"/>
+              <a:t>insertInto</a:t>
             </a:r>
             <a:r>
               <a:rPr lang="fr-FR" sz="2400" dirty="0"/>
               <a:t>("db1.tmp_addr_with_dept")</a:t>
             </a:r>
-            <a:br>
-              <a:rPr lang="fr-FR" sz="2400" dirty="0"/>
-            </a:br>
+          </a:p>
+          <a:p>
             <a:r>
               <a:rPr lang="fr-FR" sz="2400" dirty="0"/>
               <a:t>or..</a:t>
